--- a/Figure-4-3/Figure43/Figure43_fullslide.pptx
+++ b/Figure-4-3/Figure43/Figure43_fullslide.pptx
@@ -516,6 +516,126 @@
               <a:rPr/>
               <a:t>Title:</a:t>
             </a:r>
+            <a:r>
+              <a:rPr/>
+              <a:t> </a:t>
+            </a:r>
+            <a:r>
+              <a:rPr/>
+              <a:t>Those</a:t>
+            </a:r>
+            <a:r>
+              <a:rPr/>
+              <a:t> </a:t>
+            </a:r>
+            <a:r>
+              <a:rPr/>
+              <a:t>on</a:t>
+            </a:r>
+            <a:r>
+              <a:rPr/>
+              <a:t> </a:t>
+            </a:r>
+            <a:r>
+              <a:rPr/>
+              <a:t>high</a:t>
+            </a:r>
+            <a:r>
+              <a:rPr/>
+              <a:t> </a:t>
+            </a:r>
+            <a:r>
+              <a:rPr/>
+              <a:t>incomes</a:t>
+            </a:r>
+            <a:r>
+              <a:rPr/>
+              <a:t> </a:t>
+            </a:r>
+            <a:r>
+              <a:rPr/>
+              <a:t>make</a:t>
+            </a:r>
+            <a:r>
+              <a:rPr/>
+              <a:t> </a:t>
+            </a:r>
+            <a:r>
+              <a:rPr/>
+              <a:t>larger</a:t>
+            </a:r>
+            <a:r>
+              <a:rPr/>
+              <a:t> </a:t>
+            </a:r>
+            <a:r>
+              <a:rPr/>
+              <a:t>voluntary</a:t>
+            </a:r>
+            <a:r>
+              <a:rPr/>
+              <a:t> </a:t>
+            </a:r>
+            <a:r>
+              <a:rPr/>
+              <a:t>contributions,</a:t>
+            </a:r>
+            <a:r>
+              <a:rPr/>
+              <a:t> </a:t>
+            </a:r>
+            <a:r>
+              <a:rPr/>
+              <a:t>increasing</a:t>
+            </a:r>
+            <a:r>
+              <a:rPr/>
+              <a:t> </a:t>
+            </a:r>
+            <a:r>
+              <a:rPr/>
+              <a:t>the</a:t>
+            </a:r>
+            <a:r>
+              <a:rPr/>
+              <a:t> </a:t>
+            </a:r>
+            <a:r>
+              <a:rPr/>
+              <a:t>value</a:t>
+            </a:r>
+            <a:r>
+              <a:rPr/>
+              <a:t> </a:t>
+            </a:r>
+            <a:r>
+              <a:rPr/>
+              <a:t>of</a:t>
+            </a:r>
+            <a:r>
+              <a:rPr/>
+              <a:t> </a:t>
+            </a:r>
+            <a:r>
+              <a:rPr/>
+              <a:t>contributions</a:t>
+            </a:r>
+            <a:r>
+              <a:rPr/>
+              <a:t> </a:t>
+            </a:r>
+            <a:r>
+              <a:rPr/>
+              <a:t>tax</a:t>
+            </a:r>
+            <a:r>
+              <a:rPr/>
+              <a:t> </a:t>
+            </a:r>
+            <a:r>
+              <a:rPr/>
+              <a:t>breaks</a:t>
+            </a:r>
           </a:p>
           <a:p>
             <a:pPr lvl="0" marL="0" indent="0">
@@ -529,6 +649,548 @@
             <a:r>
               <a:rPr/>
               <a:t>Subtitle:</a:t>
+            </a:r>
+            <a:r>
+              <a:rPr/>
+              <a:t> </a:t>
+            </a:r>
+            <a:r>
+              <a:rPr/>
+              <a:t>Average</a:t>
+            </a:r>
+            <a:r>
+              <a:rPr/>
+              <a:t> </a:t>
+            </a:r>
+            <a:r>
+              <a:rPr/>
+              <a:t>superannuation</a:t>
+            </a:r>
+            <a:r>
+              <a:rPr/>
+              <a:t> </a:t>
+            </a:r>
+            <a:r>
+              <a:rPr/>
+              <a:t>contributions</a:t>
+            </a:r>
+            <a:r>
+              <a:rPr/>
+              <a:t> </a:t>
+            </a:r>
+            <a:r>
+              <a:rPr/>
+              <a:t>(2020-21)</a:t>
+            </a:r>
+          </a:p>
+          <a:p>
+            <a:pPr lvl="0" marL="0" indent="0">
+              <a:buNone/>
+            </a:pPr>
+          </a:p>
+          <a:p>
+            <a:pPr lvl="0" marL="0" indent="0">
+              <a:buNone/>
+            </a:pPr>
+            <a:r>
+              <a:rPr/>
+              <a:t>Notes:</a:t>
+            </a:r>
+            <a:r>
+              <a:rPr/>
+              <a:t> </a:t>
+            </a:r>
+            <a:r>
+              <a:rPr/>
+              <a:t>Projections</a:t>
+            </a:r>
+            <a:r>
+              <a:rPr/>
+              <a:t> </a:t>
+            </a:r>
+            <a:r>
+              <a:rPr/>
+              <a:t>to</a:t>
+            </a:r>
+            <a:r>
+              <a:rPr/>
+              <a:t> </a:t>
+            </a:r>
+            <a:r>
+              <a:rPr/>
+              <a:t>2020-21</a:t>
+            </a:r>
+            <a:r>
+              <a:rPr/>
+              <a:t> </a:t>
+            </a:r>
+            <a:r>
+              <a:rPr/>
+              <a:t>assume</a:t>
+            </a:r>
+            <a:r>
+              <a:rPr/>
+              <a:t> </a:t>
+            </a:r>
+            <a:r>
+              <a:rPr/>
+              <a:t>2%</a:t>
+            </a:r>
+            <a:r>
+              <a:rPr/>
+              <a:t> </a:t>
+            </a:r>
+            <a:r>
+              <a:rPr/>
+              <a:t>wage</a:t>
+            </a:r>
+            <a:r>
+              <a:rPr/>
+              <a:t> </a:t>
+            </a:r>
+            <a:r>
+              <a:rPr/>
+              <a:t>growth</a:t>
+            </a:r>
+            <a:r>
+              <a:rPr/>
+              <a:t> </a:t>
+            </a:r>
+            <a:r>
+              <a:rPr/>
+              <a:t>and</a:t>
+            </a:r>
+            <a:r>
+              <a:rPr/>
+              <a:t> </a:t>
+            </a:r>
+            <a:r>
+              <a:rPr/>
+              <a:t>0%</a:t>
+            </a:r>
+            <a:r>
+              <a:rPr/>
+              <a:t> </a:t>
+            </a:r>
+            <a:r>
+              <a:rPr/>
+              <a:t>growth</a:t>
+            </a:r>
+            <a:r>
+              <a:rPr/>
+              <a:t> </a:t>
+            </a:r>
+            <a:r>
+              <a:rPr/>
+              <a:t>in</a:t>
+            </a:r>
+            <a:r>
+              <a:rPr/>
+              <a:t> </a:t>
+            </a:r>
+            <a:r>
+              <a:rPr/>
+              <a:t>the</a:t>
+            </a:r>
+            <a:r>
+              <a:rPr/>
+              <a:t> </a:t>
+            </a:r>
+            <a:r>
+              <a:rPr/>
+              <a:t>number</a:t>
+            </a:r>
+            <a:r>
+              <a:rPr/>
+              <a:t> </a:t>
+            </a:r>
+            <a:r>
+              <a:rPr/>
+              <a:t>of</a:t>
+            </a:r>
+            <a:r>
+              <a:rPr/>
+              <a:t> </a:t>
+            </a:r>
+            <a:r>
+              <a:rPr/>
+              <a:t>taxfilers</a:t>
+            </a:r>
+            <a:r>
+              <a:rPr/>
+              <a:t> </a:t>
+            </a:r>
+            <a:r>
+              <a:rPr/>
+              <a:t>from</a:t>
+            </a:r>
+            <a:r>
+              <a:rPr/>
+              <a:t> </a:t>
+            </a:r>
+            <a:r>
+              <a:rPr/>
+              <a:t>2019-20</a:t>
+            </a:r>
+            <a:r>
+              <a:rPr/>
+              <a:t> </a:t>
+            </a:r>
+            <a:r>
+              <a:rPr/>
+              <a:t>to</a:t>
+            </a:r>
+            <a:r>
+              <a:rPr/>
+              <a:t> </a:t>
+            </a:r>
+            <a:r>
+              <a:rPr/>
+              <a:t>2020-21.</a:t>
+            </a:r>
+            <a:r>
+              <a:rPr/>
+              <a:t> </a:t>
+            </a:r>
+            <a:r>
+              <a:rPr/>
+              <a:t>SG</a:t>
+            </a:r>
+            <a:r>
+              <a:rPr/>
+              <a:t> </a:t>
+            </a:r>
+            <a:r>
+              <a:rPr/>
+              <a:t>=</a:t>
+            </a:r>
+            <a:r>
+              <a:rPr/>
+              <a:t> </a:t>
+            </a:r>
+            <a:r>
+              <a:rPr/>
+              <a:t>super</a:t>
+            </a:r>
+            <a:r>
+              <a:rPr/>
+              <a:t> </a:t>
+            </a:r>
+            <a:r>
+              <a:rPr/>
+              <a:t>guarantee</a:t>
+            </a:r>
+            <a:r>
+              <a:rPr/>
+              <a:t> </a:t>
+            </a:r>
+            <a:r>
+              <a:rPr/>
+              <a:t>contributions,</a:t>
+            </a:r>
+            <a:r>
+              <a:rPr/>
+              <a:t> </a:t>
+            </a:r>
+            <a:r>
+              <a:rPr/>
+              <a:t>assumed</a:t>
+            </a:r>
+            <a:r>
+              <a:rPr/>
+              <a:t> </a:t>
+            </a:r>
+            <a:r>
+              <a:rPr/>
+              <a:t>to</a:t>
+            </a:r>
+            <a:r>
+              <a:rPr/>
+              <a:t> </a:t>
+            </a:r>
+            <a:r>
+              <a:rPr/>
+              <a:t>be</a:t>
+            </a:r>
+            <a:r>
+              <a:rPr/>
+              <a:t> </a:t>
+            </a:r>
+            <a:r>
+              <a:rPr/>
+              <a:t>employer</a:t>
+            </a:r>
+            <a:r>
+              <a:rPr/>
+              <a:t> </a:t>
+            </a:r>
+            <a:r>
+              <a:rPr/>
+              <a:t>contributions</a:t>
+            </a:r>
+            <a:r>
+              <a:rPr/>
+              <a:t> </a:t>
+            </a:r>
+            <a:r>
+              <a:rPr/>
+              <a:t>less</a:t>
+            </a:r>
+            <a:r>
+              <a:rPr/>
+              <a:t> </a:t>
+            </a:r>
+            <a:r>
+              <a:rPr/>
+              <a:t>reportable</a:t>
+            </a:r>
+            <a:r>
+              <a:rPr/>
+              <a:t> </a:t>
+            </a:r>
+            <a:r>
+              <a:rPr/>
+              <a:t>employer</a:t>
+            </a:r>
+            <a:r>
+              <a:rPr/>
+              <a:t> </a:t>
+            </a:r>
+            <a:r>
+              <a:rPr/>
+              <a:t>super</a:t>
+            </a:r>
+            <a:r>
+              <a:rPr/>
+              <a:t> </a:t>
+            </a:r>
+            <a:r>
+              <a:rPr/>
+              <a:t>contributions;</a:t>
+            </a:r>
+            <a:r>
+              <a:rPr/>
+              <a:t> </a:t>
+            </a:r>
+            <a:r>
+              <a:rPr/>
+              <a:t>salary-sacrifice</a:t>
+            </a:r>
+            <a:r>
+              <a:rPr/>
+              <a:t> </a:t>
+            </a:r>
+            <a:r>
+              <a:rPr/>
+              <a:t>=</a:t>
+            </a:r>
+            <a:r>
+              <a:rPr/>
+              <a:t> </a:t>
+            </a:r>
+            <a:r>
+              <a:rPr/>
+              <a:t>reportable</a:t>
+            </a:r>
+            <a:r>
+              <a:rPr/>
+              <a:t> </a:t>
+            </a:r>
+            <a:r>
+              <a:rPr/>
+              <a:t>employer</a:t>
+            </a:r>
+            <a:r>
+              <a:rPr/>
+              <a:t> </a:t>
+            </a:r>
+            <a:r>
+              <a:rPr/>
+              <a:t>super</a:t>
+            </a:r>
+            <a:r>
+              <a:rPr/>
+              <a:t> </a:t>
+            </a:r>
+            <a:r>
+              <a:rPr/>
+              <a:t>contributions;</a:t>
+            </a:r>
+            <a:r>
+              <a:rPr/>
+              <a:t> </a:t>
+            </a:r>
+            <a:r>
+              <a:rPr/>
+              <a:t>personal-deductible</a:t>
+            </a:r>
+            <a:r>
+              <a:rPr/>
+              <a:t> </a:t>
+            </a:r>
+            <a:r>
+              <a:rPr/>
+              <a:t>=</a:t>
+            </a:r>
+            <a:r>
+              <a:rPr/>
+              <a:t> </a:t>
+            </a:r>
+            <a:r>
+              <a:rPr/>
+              <a:t>non-employer</a:t>
+            </a:r>
+            <a:r>
+              <a:rPr/>
+              <a:t> </a:t>
+            </a:r>
+            <a:r>
+              <a:rPr/>
+              <a:t>superannuation</a:t>
+            </a:r>
+            <a:r>
+              <a:rPr/>
+              <a:t> </a:t>
+            </a:r>
+            <a:r>
+              <a:rPr/>
+              <a:t>contributions;</a:t>
+            </a:r>
+            <a:r>
+              <a:rPr/>
+              <a:t> </a:t>
+            </a:r>
+            <a:r>
+              <a:rPr/>
+              <a:t>non-concessional</a:t>
+            </a:r>
+            <a:r>
+              <a:rPr/>
+              <a:t> </a:t>
+            </a:r>
+            <a:r>
+              <a:rPr/>
+              <a:t>=</a:t>
+            </a:r>
+            <a:r>
+              <a:rPr/>
+              <a:t> </a:t>
+            </a:r>
+            <a:r>
+              <a:rPr/>
+              <a:t>nonnegative</a:t>
+            </a:r>
+            <a:r>
+              <a:rPr/>
+              <a:t> </a:t>
+            </a:r>
+            <a:r>
+              <a:rPr/>
+              <a:t>component</a:t>
+            </a:r>
+            <a:r>
+              <a:rPr/>
+              <a:t> </a:t>
+            </a:r>
+            <a:r>
+              <a:rPr/>
+              <a:t>of</a:t>
+            </a:r>
+            <a:r>
+              <a:rPr/>
+              <a:t> </a:t>
+            </a:r>
+            <a:r>
+              <a:rPr/>
+              <a:t>personal</a:t>
+            </a:r>
+            <a:r>
+              <a:rPr/>
+              <a:t> </a:t>
+            </a:r>
+            <a:r>
+              <a:rPr/>
+              <a:t>contributions</a:t>
+            </a:r>
+            <a:r>
+              <a:rPr/>
+              <a:t> </a:t>
+            </a:r>
+            <a:r>
+              <a:rPr/>
+              <a:t>less</a:t>
+            </a:r>
+            <a:r>
+              <a:rPr/>
+              <a:t> </a:t>
+            </a:r>
+            <a:r>
+              <a:rPr/>
+              <a:t>non-employer</a:t>
+            </a:r>
+            <a:r>
+              <a:rPr/>
+              <a:t> </a:t>
+            </a:r>
+            <a:r>
+              <a:rPr/>
+              <a:t>super</a:t>
+            </a:r>
+            <a:r>
+              <a:rPr/>
+              <a:t> </a:t>
+            </a:r>
+            <a:r>
+              <a:rPr/>
+              <a:t>contributions.</a:t>
+            </a:r>
+            <a:r>
+              <a:rPr/>
+              <a:t> </a:t>
+            </a:r>
+            <a:r>
+              <a:rPr/>
+              <a:t>Source:</a:t>
+            </a:r>
+            <a:r>
+              <a:rPr/>
+              <a:t> </a:t>
+            </a:r>
+            <a:r>
+              <a:rPr/>
+              <a:t>ATO</a:t>
+            </a:r>
+            <a:r>
+              <a:rPr/>
+              <a:t> </a:t>
+            </a:r>
+            <a:r>
+              <a:rPr/>
+              <a:t>2017-18</a:t>
+            </a:r>
+            <a:r>
+              <a:rPr/>
+              <a:t> </a:t>
+            </a:r>
+            <a:r>
+              <a:rPr/>
+              <a:t>2%</a:t>
+            </a:r>
+            <a:r>
+              <a:rPr/>
+              <a:t> </a:t>
+            </a:r>
+            <a:r>
+              <a:rPr/>
+              <a:t>sample</a:t>
+            </a:r>
+            <a:r>
+              <a:rPr/>
+              <a:t> </a:t>
+            </a:r>
+            <a:r>
+              <a:rPr/>
+              <a:t>file</a:t>
             </a:r>
           </a:p>
           <a:p>
@@ -3937,7 +4599,7 @@
           <a:p>
             <a:r>
               <a:rPr/>
-              <a:t> </a:t>
+              <a:t>Those on high incomes make larger voluntary contributions, increasing the value of contributions tax breaks</a:t>
             </a:r>
           </a:p>
         </p:txBody>
@@ -3964,7 +4626,7 @@
           <a:p>
             <a:r>
               <a:rPr/>
-              <a:t> </a:t>
+              <a:t>Average superannuation contributions (2020-21)</a:t>
             </a:r>
           </a:p>
         </p:txBody>
@@ -4053,7 +4715,7 @@
           <p:spPr>
             <a:xfrm>
               <a:off x="1569235" y="1463187"/>
-              <a:ext cx="6951626" cy="4516386"/>
+              <a:ext cx="6951626" cy="3660988"/>
             </a:xfrm>
             <a:prstGeom prst="rect">
               <a:avLst/>
@@ -4078,7 +4740,7 @@
           </p:nvSpPr>
           <p:spPr>
             <a:xfrm>
-              <a:off x="1569235" y="5979574"/>
+              <a:off x="1569235" y="5124176"/>
               <a:ext cx="6951626" cy="0"/>
             </a:xfrm>
             <a:custGeom>
@@ -4121,7 +4783,7 @@
           </p:nvSpPr>
           <p:spPr>
             <a:xfrm>
-              <a:off x="1569235" y="5048963"/>
+              <a:off x="1569235" y="4369822"/>
               <a:ext cx="6951626" cy="0"/>
             </a:xfrm>
             <a:custGeom>
@@ -4164,7 +4826,7 @@
           </p:nvSpPr>
           <p:spPr>
             <a:xfrm>
-              <a:off x="1569235" y="4118353"/>
+              <a:off x="1569235" y="3615468"/>
               <a:ext cx="6951626" cy="0"/>
             </a:xfrm>
             <a:custGeom>
@@ -4207,7 +4869,7 @@
           </p:nvSpPr>
           <p:spPr>
             <a:xfrm>
-              <a:off x="1569235" y="3187742"/>
+              <a:off x="1569235" y="2861113"/>
               <a:ext cx="6951626" cy="0"/>
             </a:xfrm>
             <a:custGeom>
@@ -4250,7 +4912,7 @@
           </p:nvSpPr>
           <p:spPr>
             <a:xfrm>
-              <a:off x="1569235" y="2257131"/>
+              <a:off x="1569235" y="2106759"/>
               <a:ext cx="6951626" cy="0"/>
             </a:xfrm>
             <a:custGeom>
@@ -4293,8 +4955,8 @@
           </p:nvSpPr>
           <p:spPr>
             <a:xfrm>
-              <a:off x="1769763" y="5904494"/>
-              <a:ext cx="1203166" cy="75080"/>
+              <a:off x="1769763" y="5063316"/>
+              <a:ext cx="1203166" cy="60860"/>
             </a:xfrm>
             <a:prstGeom prst="rect">
               <a:avLst/>
@@ -4328,8 +4990,8 @@
           </p:nvSpPr>
           <p:spPr>
             <a:xfrm>
-              <a:off x="1769763" y="5890127"/>
-              <a:ext cx="1203166" cy="14366"/>
+              <a:off x="1769763" y="5051670"/>
+              <a:ext cx="1203166" cy="11645"/>
             </a:xfrm>
             <a:prstGeom prst="rect">
               <a:avLst/>
@@ -4363,8 +5025,8 @@
           </p:nvSpPr>
           <p:spPr>
             <a:xfrm>
-              <a:off x="1769763" y="5873999"/>
-              <a:ext cx="1203166" cy="16128"/>
+              <a:off x="1769763" y="5038596"/>
+              <a:ext cx="1203166" cy="13074"/>
             </a:xfrm>
             <a:prstGeom prst="rect">
               <a:avLst/>
@@ -4398,8 +5060,8 @@
           </p:nvSpPr>
           <p:spPr>
             <a:xfrm>
-              <a:off x="1769763" y="5603274"/>
-              <a:ext cx="1203166" cy="270724"/>
+              <a:off x="1769763" y="4819147"/>
+              <a:ext cx="1203166" cy="219449"/>
             </a:xfrm>
             <a:prstGeom prst="rect">
               <a:avLst/>
@@ -4433,8 +5095,8 @@
           </p:nvSpPr>
           <p:spPr>
             <a:xfrm>
-              <a:off x="3106614" y="5670718"/>
-              <a:ext cx="1203166" cy="308856"/>
+              <a:off x="3106614" y="4873816"/>
+              <a:ext cx="1203166" cy="250359"/>
             </a:xfrm>
             <a:prstGeom prst="rect">
               <a:avLst/>
@@ -4468,8 +5130,8 @@
           </p:nvSpPr>
           <p:spPr>
             <a:xfrm>
-              <a:off x="3106614" y="5616062"/>
-              <a:ext cx="1203166" cy="54655"/>
+              <a:off x="3106614" y="4829513"/>
+              <a:ext cx="1203166" cy="44303"/>
             </a:xfrm>
             <a:prstGeom prst="rect">
               <a:avLst/>
@@ -4503,8 +5165,8 @@
           </p:nvSpPr>
           <p:spPr>
             <a:xfrm>
-              <a:off x="3106614" y="5569889"/>
-              <a:ext cx="1203166" cy="46173"/>
+              <a:off x="3106614" y="4792084"/>
+              <a:ext cx="1203166" cy="37428"/>
             </a:xfrm>
             <a:prstGeom prst="rect">
               <a:avLst/>
@@ -4538,8 +5200,8 @@
           </p:nvSpPr>
           <p:spPr>
             <a:xfrm>
-              <a:off x="3106614" y="5287541"/>
-              <a:ext cx="1203166" cy="282347"/>
+              <a:off x="3106614" y="4563213"/>
+              <a:ext cx="1203166" cy="228871"/>
             </a:xfrm>
             <a:prstGeom prst="rect">
               <a:avLst/>
@@ -4573,8 +5235,8 @@
           </p:nvSpPr>
           <p:spPr>
             <a:xfrm>
-              <a:off x="4443465" y="5085653"/>
-              <a:ext cx="1203166" cy="893920"/>
+              <a:off x="4443465" y="4399563"/>
+              <a:ext cx="1203166" cy="724612"/>
             </a:xfrm>
             <a:prstGeom prst="rect">
               <a:avLst/>
@@ -4608,8 +5270,8 @@
           </p:nvSpPr>
           <p:spPr>
             <a:xfrm>
-              <a:off x="4443465" y="4935026"/>
-              <a:ext cx="1203166" cy="150627"/>
+              <a:off x="4443465" y="4277464"/>
+              <a:ext cx="1203166" cy="122099"/>
             </a:xfrm>
             <a:prstGeom prst="rect">
               <a:avLst/>
@@ -4643,8 +5305,8 @@
           </p:nvSpPr>
           <p:spPr>
             <a:xfrm>
-              <a:off x="4443465" y="4872377"/>
-              <a:ext cx="1203166" cy="62648"/>
+              <a:off x="4443465" y="4226681"/>
+              <a:ext cx="1203166" cy="50782"/>
             </a:xfrm>
             <a:prstGeom prst="rect">
               <a:avLst/>
@@ -4678,8 +5340,8 @@
           </p:nvSpPr>
           <p:spPr>
             <a:xfrm>
-              <a:off x="4443465" y="4657674"/>
-              <a:ext cx="1203166" cy="214703"/>
+              <a:off x="4443465" y="4052642"/>
+              <a:ext cx="1203166" cy="174038"/>
             </a:xfrm>
             <a:prstGeom prst="rect">
               <a:avLst/>
@@ -4713,8 +5375,8 @@
           </p:nvSpPr>
           <p:spPr>
             <a:xfrm>
-              <a:off x="5780316" y="4253900"/>
-              <a:ext cx="1203166" cy="1725673"/>
+              <a:off x="5780316" y="3725343"/>
+              <a:ext cx="1203166" cy="1398833"/>
             </a:xfrm>
             <a:prstGeom prst="rect">
               <a:avLst/>
@@ -4748,8 +5410,8 @@
           </p:nvSpPr>
           <p:spPr>
             <a:xfrm>
-              <a:off x="5780316" y="3891515"/>
-              <a:ext cx="1203166" cy="362385"/>
+              <a:off x="5780316" y="3431593"/>
+              <a:ext cx="1203166" cy="293749"/>
             </a:xfrm>
             <a:prstGeom prst="rect">
               <a:avLst/>
@@ -4783,8 +5445,8 @@
           </p:nvSpPr>
           <p:spPr>
             <a:xfrm>
-              <a:off x="5780316" y="3783935"/>
-              <a:ext cx="1203166" cy="107580"/>
+              <a:off x="5780316" y="3344388"/>
+              <a:ext cx="1203166" cy="87205"/>
             </a:xfrm>
             <a:prstGeom prst="rect">
               <a:avLst/>
@@ -4818,8 +5480,8 @@
           </p:nvSpPr>
           <p:spPr>
             <a:xfrm>
-              <a:off x="5780316" y="3440643"/>
-              <a:ext cx="1203166" cy="343291"/>
+              <a:off x="5780316" y="3066116"/>
+              <a:ext cx="1203166" cy="278272"/>
             </a:xfrm>
             <a:prstGeom prst="rect">
               <a:avLst/>
@@ -4853,8 +5515,8 @@
           </p:nvSpPr>
           <p:spPr>
             <a:xfrm>
-              <a:off x="7117168" y="3249987"/>
-              <a:ext cx="1203166" cy="2729586"/>
+              <a:off x="7117168" y="2911569"/>
+              <a:ext cx="1203166" cy="2212606"/>
             </a:xfrm>
             <a:prstGeom prst="rect">
               <a:avLst/>
@@ -4888,8 +5550,8 @@
           </p:nvSpPr>
           <p:spPr>
             <a:xfrm>
-              <a:off x="7117168" y="2781926"/>
-              <a:ext cx="1203166" cy="468061"/>
+              <a:off x="7117168" y="2532158"/>
+              <a:ext cx="1203166" cy="379411"/>
             </a:xfrm>
             <a:prstGeom prst="rect">
               <a:avLst/>
@@ -4923,8 +5585,8 @@
           </p:nvSpPr>
           <p:spPr>
             <a:xfrm>
-              <a:off x="7117168" y="2435478"/>
-              <a:ext cx="1203166" cy="346447"/>
+              <a:off x="7117168" y="2251328"/>
+              <a:ext cx="1203166" cy="280830"/>
             </a:xfrm>
             <a:prstGeom prst="rect">
               <a:avLst/>
@@ -4958,8 +5620,8 @@
           </p:nvSpPr>
           <p:spPr>
             <a:xfrm>
-              <a:off x="7117168" y="1529932"/>
-              <a:ext cx="1203166" cy="905546"/>
+              <a:off x="7117168" y="1517291"/>
+              <a:ext cx="1203166" cy="734036"/>
             </a:xfrm>
             <a:prstGeom prst="rect">
               <a:avLst/>
@@ -4993,7 +5655,7 @@
           </p:nvSpPr>
           <p:spPr>
             <a:xfrm>
-              <a:off x="1212476" y="5859135"/>
+              <a:off x="1212476" y="5003736"/>
               <a:ext cx="254272" cy="202257"/>
             </a:xfrm>
             <a:prstGeom prst="rect">
@@ -5039,7 +5701,7 @@
           </p:nvSpPr>
           <p:spPr>
             <a:xfrm>
-              <a:off x="767555" y="4919706"/>
+              <a:off x="767555" y="4240564"/>
               <a:ext cx="699194" cy="211075"/>
             </a:xfrm>
             <a:prstGeom prst="rect">
@@ -5085,7 +5747,7 @@
           </p:nvSpPr>
           <p:spPr>
             <a:xfrm>
-              <a:off x="640418" y="3989095"/>
+              <a:off x="640418" y="3486210"/>
               <a:ext cx="826330" cy="211075"/>
             </a:xfrm>
             <a:prstGeom prst="rect">
@@ -5131,7 +5793,7 @@
           </p:nvSpPr>
           <p:spPr>
             <a:xfrm>
-              <a:off x="640418" y="3058485"/>
+              <a:off x="640418" y="2731856"/>
               <a:ext cx="826330" cy="211075"/>
             </a:xfrm>
             <a:prstGeom prst="rect">
@@ -5177,7 +5839,7 @@
           </p:nvSpPr>
           <p:spPr>
             <a:xfrm>
-              <a:off x="640418" y="2127874"/>
+              <a:off x="640418" y="1977502"/>
               <a:ext cx="826330" cy="211075"/>
             </a:xfrm>
             <a:prstGeom prst="rect">
@@ -5223,7 +5885,7 @@
           </p:nvSpPr>
           <p:spPr>
             <a:xfrm>
-              <a:off x="1569235" y="5979574"/>
+              <a:off x="1569235" y="5124176"/>
               <a:ext cx="6951626" cy="0"/>
             </a:xfrm>
             <a:custGeom>
@@ -5263,7 +5925,7 @@
           </p:nvSpPr>
           <p:spPr>
             <a:xfrm>
-              <a:off x="2371346" y="5979574"/>
+              <a:off x="2371346" y="5124176"/>
               <a:ext cx="0" cy="56936"/>
             </a:xfrm>
             <a:custGeom>
@@ -5303,7 +5965,7 @@
           </p:nvSpPr>
           <p:spPr>
             <a:xfrm>
-              <a:off x="3708197" y="5979574"/>
+              <a:off x="3708197" y="5124176"/>
               <a:ext cx="0" cy="56936"/>
             </a:xfrm>
             <a:custGeom>
@@ -5343,7 +6005,7 @@
           </p:nvSpPr>
           <p:spPr>
             <a:xfrm>
-              <a:off x="5045048" y="5979574"/>
+              <a:off x="5045048" y="5124176"/>
               <a:ext cx="0" cy="56936"/>
             </a:xfrm>
             <a:custGeom>
@@ -5383,7 +6045,7 @@
           </p:nvSpPr>
           <p:spPr>
             <a:xfrm>
-              <a:off x="6381899" y="5979574"/>
+              <a:off x="6381899" y="5124176"/>
               <a:ext cx="0" cy="56936"/>
             </a:xfrm>
             <a:custGeom>
@@ -5423,7 +6085,7 @@
           </p:nvSpPr>
           <p:spPr>
             <a:xfrm>
-              <a:off x="7718751" y="5979574"/>
+              <a:off x="7718751" y="5124176"/>
               <a:ext cx="0" cy="56936"/>
             </a:xfrm>
             <a:custGeom>
@@ -5463,7 +6125,7 @@
           </p:nvSpPr>
           <p:spPr>
             <a:xfrm>
-              <a:off x="1875692" y="6079381"/>
+              <a:off x="1875692" y="5223982"/>
               <a:ext cx="991306" cy="166315"/>
             </a:xfrm>
             <a:prstGeom prst="rect">
@@ -5509,7 +6171,7 @@
           </p:nvSpPr>
           <p:spPr>
             <a:xfrm>
-              <a:off x="1958180" y="6281509"/>
+              <a:off x="1958180" y="5426110"/>
               <a:ext cx="826330" cy="211075"/>
             </a:xfrm>
             <a:prstGeom prst="rect">
@@ -5555,7 +6217,7 @@
           </p:nvSpPr>
           <p:spPr>
             <a:xfrm>
-              <a:off x="2780291" y="6034621"/>
+              <a:off x="2780291" y="5179222"/>
               <a:ext cx="1855812" cy="211075"/>
             </a:xfrm>
             <a:prstGeom prst="rect">
@@ -5601,7 +6263,7 @@
           </p:nvSpPr>
           <p:spPr>
             <a:xfrm>
-              <a:off x="4117142" y="6034621"/>
+              <a:off x="4117142" y="5179222"/>
               <a:ext cx="1855812" cy="211075"/>
             </a:xfrm>
             <a:prstGeom prst="rect">
@@ -5647,7 +6309,7 @@
           </p:nvSpPr>
           <p:spPr>
             <a:xfrm>
-              <a:off x="5390425" y="6034621"/>
+              <a:off x="5390425" y="5179222"/>
               <a:ext cx="1982948" cy="211075"/>
             </a:xfrm>
             <a:prstGeom prst="rect">
@@ -5693,7 +6355,7 @@
           </p:nvSpPr>
           <p:spPr>
             <a:xfrm>
-              <a:off x="7238836" y="6049020"/>
+              <a:off x="7238836" y="5193621"/>
               <a:ext cx="959829" cy="196676"/>
             </a:xfrm>
             <a:prstGeom prst="rect">
@@ -5739,8 +6401,8 @@
           </p:nvSpPr>
           <p:spPr>
             <a:xfrm>
-              <a:off x="4467018" y="6594950"/>
-              <a:ext cx="1156059" cy="166315"/>
+              <a:off x="3831615" y="5739552"/>
+              <a:ext cx="2426865" cy="166315"/>
             </a:xfrm>
             <a:prstGeom prst="rect">
               <a:avLst/>
@@ -5772,7 +6434,691 @@
                   <a:latin typeface="Arial"/>
                   <a:cs typeface="Arial"/>
                 </a:rPr>
-                <a:t>TaxBracket</a:t>
+                <a:t>Taxable income bracket</a:t>
+              </a:r>
+            </a:p>
+          </p:txBody>
+        </p:sp>
+        <p:sp>
+          <p:nvSpPr>
+            <p:cNvPr id="51" name="rc49"/>
+            <p:cNvSpPr/>
+            <p:nvPr/>
+          </p:nvSpPr>
+          <p:spPr>
+            <a:xfrm>
+              <a:off x="1569235" y="1463188"/>
+              <a:ext cx="2348916" cy="960853"/>
+            </a:xfrm>
+            <a:prstGeom prst="rect">
+              <a:avLst/>
+            </a:prstGeom>
+            <a:solidFill>
+              <a:srgbClr val="FFFFFF">
+                <a:alpha val="100000"/>
+              </a:srgbClr>
+            </a:solidFill>
+          </p:spPr>
+          <p:txBody>
+            <a:bodyPr/>
+            <a:lstStyle/>
+            <a:p/>
+          </p:txBody>
+        </p:sp>
+        <p:sp>
+          <p:nvSpPr>
+            <p:cNvPr id="52" name="rc50"/>
+            <p:cNvSpPr/>
+            <p:nvPr/>
+          </p:nvSpPr>
+          <p:spPr>
+            <a:xfrm>
+              <a:off x="1569235" y="1577060"/>
+              <a:ext cx="182880" cy="211745"/>
+            </a:xfrm>
+            <a:prstGeom prst="rect">
+              <a:avLst/>
+            </a:prstGeom>
+            <a:solidFill>
+              <a:srgbClr val="FFFFFF">
+                <a:alpha val="100000"/>
+              </a:srgbClr>
+            </a:solidFill>
+          </p:spPr>
+          <p:txBody>
+            <a:bodyPr/>
+            <a:lstStyle/>
+            <a:p/>
+          </p:txBody>
+        </p:sp>
+        <p:sp>
+          <p:nvSpPr>
+            <p:cNvPr id="53" name="rc51"/>
+            <p:cNvSpPr/>
+            <p:nvPr/>
+          </p:nvSpPr>
+          <p:spPr>
+            <a:xfrm>
+              <a:off x="1573980" y="1581805"/>
+              <a:ext cx="173390" cy="202255"/>
+            </a:xfrm>
+            <a:prstGeom prst="rect">
+              <a:avLst/>
+            </a:prstGeom>
+            <a:solidFill>
+              <a:srgbClr val="FFC35A">
+                <a:alpha val="100000"/>
+              </a:srgbClr>
+            </a:solidFill>
+            <a:ln w="7143" cap="sq">
+              <a:solidFill>
+                <a:srgbClr val="FFFFFF">
+                  <a:alpha val="100000"/>
+                </a:srgbClr>
+              </a:solidFill>
+              <a:prstDash val="solid"/>
+              <a:miter/>
+            </a:ln>
+          </p:spPr>
+          <p:txBody>
+            <a:bodyPr/>
+            <a:lstStyle/>
+            <a:p/>
+          </p:txBody>
+        </p:sp>
+        <p:sp>
+          <p:nvSpPr>
+            <p:cNvPr id="54" name="rc52"/>
+            <p:cNvSpPr/>
+            <p:nvPr/>
+          </p:nvSpPr>
+          <p:spPr>
+            <a:xfrm>
+              <a:off x="1569235" y="1788806"/>
+              <a:ext cx="182880" cy="211745"/>
+            </a:xfrm>
+            <a:prstGeom prst="rect">
+              <a:avLst/>
+            </a:prstGeom>
+            <a:solidFill>
+              <a:srgbClr val="FFFFFF">
+                <a:alpha val="100000"/>
+              </a:srgbClr>
+            </a:solidFill>
+          </p:spPr>
+          <p:txBody>
+            <a:bodyPr/>
+            <a:lstStyle/>
+            <a:p/>
+          </p:txBody>
+        </p:sp>
+        <p:sp>
+          <p:nvSpPr>
+            <p:cNvPr id="55" name="rc53"/>
+            <p:cNvSpPr/>
+            <p:nvPr/>
+          </p:nvSpPr>
+          <p:spPr>
+            <a:xfrm>
+              <a:off x="1573980" y="1793550"/>
+              <a:ext cx="173390" cy="202255"/>
+            </a:xfrm>
+            <a:prstGeom prst="rect">
+              <a:avLst/>
+            </a:prstGeom>
+            <a:solidFill>
+              <a:srgbClr val="F68B33">
+                <a:alpha val="100000"/>
+              </a:srgbClr>
+            </a:solidFill>
+            <a:ln w="7143" cap="sq">
+              <a:solidFill>
+                <a:srgbClr val="FFFFFF">
+                  <a:alpha val="100000"/>
+                </a:srgbClr>
+              </a:solidFill>
+              <a:prstDash val="solid"/>
+              <a:miter/>
+            </a:ln>
+          </p:spPr>
+          <p:txBody>
+            <a:bodyPr/>
+            <a:lstStyle/>
+            <a:p/>
+          </p:txBody>
+        </p:sp>
+        <p:sp>
+          <p:nvSpPr>
+            <p:cNvPr id="56" name="rc54"/>
+            <p:cNvSpPr/>
+            <p:nvPr/>
+          </p:nvSpPr>
+          <p:spPr>
+            <a:xfrm>
+              <a:off x="1569235" y="2000551"/>
+              <a:ext cx="182880" cy="211745"/>
+            </a:xfrm>
+            <a:prstGeom prst="rect">
+              <a:avLst/>
+            </a:prstGeom>
+            <a:solidFill>
+              <a:srgbClr val="FFFFFF">
+                <a:alpha val="100000"/>
+              </a:srgbClr>
+            </a:solidFill>
+          </p:spPr>
+          <p:txBody>
+            <a:bodyPr/>
+            <a:lstStyle/>
+            <a:p/>
+          </p:txBody>
+        </p:sp>
+        <p:sp>
+          <p:nvSpPr>
+            <p:cNvPr id="57" name="rc55"/>
+            <p:cNvSpPr/>
+            <p:nvPr/>
+          </p:nvSpPr>
+          <p:spPr>
+            <a:xfrm>
+              <a:off x="1573980" y="2005296"/>
+              <a:ext cx="173390" cy="202255"/>
+            </a:xfrm>
+            <a:prstGeom prst="rect">
+              <a:avLst/>
+            </a:prstGeom>
+            <a:solidFill>
+              <a:srgbClr val="D4582A">
+                <a:alpha val="100000"/>
+              </a:srgbClr>
+            </a:solidFill>
+            <a:ln w="7143" cap="sq">
+              <a:solidFill>
+                <a:srgbClr val="FFFFFF">
+                  <a:alpha val="100000"/>
+                </a:srgbClr>
+              </a:solidFill>
+              <a:prstDash val="solid"/>
+              <a:miter/>
+            </a:ln>
+          </p:spPr>
+          <p:txBody>
+            <a:bodyPr/>
+            <a:lstStyle/>
+            <a:p/>
+          </p:txBody>
+        </p:sp>
+        <p:sp>
+          <p:nvSpPr>
+            <p:cNvPr id="58" name="rc56"/>
+            <p:cNvSpPr/>
+            <p:nvPr/>
+          </p:nvSpPr>
+          <p:spPr>
+            <a:xfrm>
+              <a:off x="1569235" y="2212296"/>
+              <a:ext cx="182880" cy="211745"/>
+            </a:xfrm>
+            <a:prstGeom prst="rect">
+              <a:avLst/>
+            </a:prstGeom>
+            <a:solidFill>
+              <a:srgbClr val="FFFFFF">
+                <a:alpha val="100000"/>
+              </a:srgbClr>
+            </a:solidFill>
+          </p:spPr>
+          <p:txBody>
+            <a:bodyPr/>
+            <a:lstStyle/>
+            <a:p/>
+          </p:txBody>
+        </p:sp>
+        <p:sp>
+          <p:nvSpPr>
+            <p:cNvPr id="59" name="rc57"/>
+            <p:cNvSpPr/>
+            <p:nvPr/>
+          </p:nvSpPr>
+          <p:spPr>
+            <a:xfrm>
+              <a:off x="1573980" y="2217041"/>
+              <a:ext cx="173390" cy="202255"/>
+            </a:xfrm>
+            <a:prstGeom prst="rect">
+              <a:avLst/>
+            </a:prstGeom>
+            <a:solidFill>
+              <a:srgbClr val="A02226">
+                <a:alpha val="100000"/>
+              </a:srgbClr>
+            </a:solidFill>
+            <a:ln w="7143" cap="sq">
+              <a:solidFill>
+                <a:srgbClr val="FFFFFF">
+                  <a:alpha val="100000"/>
+                </a:srgbClr>
+              </a:solidFill>
+              <a:prstDash val="solid"/>
+              <a:miter/>
+            </a:ln>
+          </p:spPr>
+          <p:txBody>
+            <a:bodyPr/>
+            <a:lstStyle/>
+            <a:p/>
+          </p:txBody>
+        </p:sp>
+        <p:sp>
+          <p:nvSpPr>
+            <p:cNvPr id="60" name="tx58"/>
+            <p:cNvSpPr/>
+            <p:nvPr/>
+          </p:nvSpPr>
+          <p:spPr>
+            <a:xfrm>
+              <a:off x="1865988" y="1598436"/>
+              <a:ext cx="1779128" cy="166315"/>
+            </a:xfrm>
+            <a:prstGeom prst="rect">
+              <a:avLst/>
+            </a:prstGeom>
+            <a:noFill/>
+          </p:spPr>
+          <p:txBody>
+            <a:bodyPr lIns="0" rIns="0" tIns="0" bIns="0" anchorCtr="1" anchor="ctr" wrap="none"/>
+            <a:lstStyle/>
+            <a:p>
+              <a:pPr algn="l" marL="0" marR="0" indent="0">
+                <a:lnSpc>
+                  <a:spcPts val="1800"/>
+                </a:lnSpc>
+                <a:spcBef>
+                  <a:spcPts val="0"/>
+                </a:spcBef>
+                <a:spcAft>
+                  <a:spcPts val="0"/>
+                </a:spcAft>
+              </a:pPr>
+              <a:r>
+                <a:rPr sz="1800">
+                  <a:solidFill>
+                    <a:srgbClr val="000000">
+                      <a:alpha val="100000"/>
+                    </a:srgbClr>
+                  </a:solidFill>
+                  <a:latin typeface="Arial"/>
+                  <a:cs typeface="Arial"/>
+                </a:rPr>
+                <a:t>non-concessional</a:t>
+              </a:r>
+            </a:p>
+          </p:txBody>
+        </p:sp>
+        <p:sp>
+          <p:nvSpPr>
+            <p:cNvPr id="61" name="tx59"/>
+            <p:cNvSpPr/>
+            <p:nvPr/>
+          </p:nvSpPr>
+          <p:spPr>
+            <a:xfrm>
+              <a:off x="1865988" y="1767430"/>
+              <a:ext cx="1995227" cy="209066"/>
+            </a:xfrm>
+            <a:prstGeom prst="rect">
+              <a:avLst/>
+            </a:prstGeom>
+            <a:noFill/>
+          </p:spPr>
+          <p:txBody>
+            <a:bodyPr lIns="0" rIns="0" tIns="0" bIns="0" anchorCtr="1" anchor="ctr" wrap="none"/>
+            <a:lstStyle/>
+            <a:p>
+              <a:pPr algn="l" marL="0" marR="0" indent="0">
+                <a:lnSpc>
+                  <a:spcPts val="1800"/>
+                </a:lnSpc>
+                <a:spcBef>
+                  <a:spcPts val="0"/>
+                </a:spcBef>
+                <a:spcAft>
+                  <a:spcPts val="0"/>
+                </a:spcAft>
+              </a:pPr>
+              <a:r>
+                <a:rPr sz="1800">
+                  <a:solidFill>
+                    <a:srgbClr val="000000">
+                      <a:alpha val="100000"/>
+                    </a:srgbClr>
+                  </a:solidFill>
+                  <a:latin typeface="Arial"/>
+                  <a:cs typeface="Arial"/>
+                </a:rPr>
+                <a:t>personal-deductible</a:t>
+              </a:r>
+            </a:p>
+          </p:txBody>
+        </p:sp>
+        <p:sp>
+          <p:nvSpPr>
+            <p:cNvPr id="62" name="tx60"/>
+            <p:cNvSpPr/>
+            <p:nvPr/>
+          </p:nvSpPr>
+          <p:spPr>
+            <a:xfrm>
+              <a:off x="1865988" y="1973706"/>
+              <a:ext cx="1524297" cy="214535"/>
+            </a:xfrm>
+            <a:prstGeom prst="rect">
+              <a:avLst/>
+            </a:prstGeom>
+            <a:noFill/>
+          </p:spPr>
+          <p:txBody>
+            <a:bodyPr lIns="0" rIns="0" tIns="0" bIns="0" anchorCtr="1" anchor="ctr" wrap="none"/>
+            <a:lstStyle/>
+            <a:p>
+              <a:pPr algn="l" marL="0" marR="0" indent="0">
+                <a:lnSpc>
+                  <a:spcPts val="1800"/>
+                </a:lnSpc>
+                <a:spcBef>
+                  <a:spcPts val="0"/>
+                </a:spcBef>
+                <a:spcAft>
+                  <a:spcPts val="0"/>
+                </a:spcAft>
+              </a:pPr>
+              <a:r>
+                <a:rPr sz="1800">
+                  <a:solidFill>
+                    <a:srgbClr val="000000">
+                      <a:alpha val="100000"/>
+                    </a:srgbClr>
+                  </a:solidFill>
+                  <a:latin typeface="Arial"/>
+                  <a:cs typeface="Arial"/>
+                </a:rPr>
+                <a:t>salary-sacrifice</a:t>
+              </a:r>
+            </a:p>
+          </p:txBody>
+        </p:sp>
+        <p:sp>
+          <p:nvSpPr>
+            <p:cNvPr id="63" name="tx61"/>
+            <p:cNvSpPr/>
+            <p:nvPr/>
+          </p:nvSpPr>
+          <p:spPr>
+            <a:xfrm>
+              <a:off x="1865988" y="2230769"/>
+              <a:ext cx="330286" cy="169217"/>
+            </a:xfrm>
+            <a:prstGeom prst="rect">
+              <a:avLst/>
+            </a:prstGeom>
+            <a:noFill/>
+          </p:spPr>
+          <p:txBody>
+            <a:bodyPr lIns="0" rIns="0" tIns="0" bIns="0" anchorCtr="1" anchor="ctr" wrap="none"/>
+            <a:lstStyle/>
+            <a:p>
+              <a:pPr algn="l" marL="0" marR="0" indent="0">
+                <a:lnSpc>
+                  <a:spcPts val="1800"/>
+                </a:lnSpc>
+                <a:spcBef>
+                  <a:spcPts val="0"/>
+                </a:spcBef>
+                <a:spcAft>
+                  <a:spcPts val="0"/>
+                </a:spcAft>
+              </a:pPr>
+              <a:r>
+                <a:rPr sz="1800">
+                  <a:solidFill>
+                    <a:srgbClr val="000000">
+                      <a:alpha val="100000"/>
+                    </a:srgbClr>
+                  </a:solidFill>
+                  <a:latin typeface="Arial"/>
+                  <a:cs typeface="Arial"/>
+                </a:rPr>
+                <a:t>SG</a:t>
+              </a:r>
+            </a:p>
+          </p:txBody>
+        </p:sp>
+        <p:sp>
+          <p:nvSpPr>
+            <p:cNvPr id="64" name="tx62"/>
+            <p:cNvSpPr/>
+            <p:nvPr/>
+          </p:nvSpPr>
+          <p:spPr>
+            <a:xfrm>
+              <a:off x="640418" y="6115887"/>
+              <a:ext cx="8184485" cy="118695"/>
+            </a:xfrm>
+            <a:prstGeom prst="rect">
+              <a:avLst/>
+            </a:prstGeom>
+            <a:noFill/>
+          </p:spPr>
+          <p:txBody>
+            <a:bodyPr lIns="0" rIns="0" tIns="0" bIns="0" anchorCtr="1" anchor="ctr" wrap="none"/>
+            <a:lstStyle/>
+            <a:p>
+              <a:pPr algn="l" marL="0" marR="0" indent="0">
+                <a:lnSpc>
+                  <a:spcPts val="999"/>
+                </a:lnSpc>
+                <a:spcBef>
+                  <a:spcPts val="0"/>
+                </a:spcBef>
+                <a:spcAft>
+                  <a:spcPts val="0"/>
+                </a:spcAft>
+              </a:pPr>
+              <a:r>
+                <a:rPr sz="999" i="1">
+                  <a:solidFill>
+                    <a:srgbClr val="000000">
+                      <a:alpha val="100000"/>
+                    </a:srgbClr>
+                  </a:solidFill>
+                  <a:latin typeface="Arial"/>
+                  <a:cs typeface="Arial"/>
+                </a:rPr>
+                <a:t>Notes: Projections to 2020-21 assume 2% wage growth and 0% growth in the number of taxfilers from 2019-20 to 2020-21. SG = super guarantee</a:t>
+              </a:r>
+            </a:p>
+          </p:txBody>
+        </p:sp>
+        <p:sp>
+          <p:nvSpPr>
+            <p:cNvPr id="65" name="tx63"/>
+            <p:cNvSpPr/>
+            <p:nvPr/>
+          </p:nvSpPr>
+          <p:spPr>
+            <a:xfrm>
+              <a:off x="640418" y="6252538"/>
+              <a:ext cx="7654877" cy="119067"/>
+            </a:xfrm>
+            <a:prstGeom prst="rect">
+              <a:avLst/>
+            </a:prstGeom>
+            <a:noFill/>
+          </p:spPr>
+          <p:txBody>
+            <a:bodyPr lIns="0" rIns="0" tIns="0" bIns="0" anchorCtr="1" anchor="ctr" wrap="none"/>
+            <a:lstStyle/>
+            <a:p>
+              <a:pPr algn="l" marL="0" marR="0" indent="0">
+                <a:lnSpc>
+                  <a:spcPts val="999"/>
+                </a:lnSpc>
+                <a:spcBef>
+                  <a:spcPts val="0"/>
+                </a:spcBef>
+                <a:spcAft>
+                  <a:spcPts val="0"/>
+                </a:spcAft>
+              </a:pPr>
+              <a:r>
+                <a:rPr sz="999" i="1">
+                  <a:solidFill>
+                    <a:srgbClr val="000000">
+                      <a:alpha val="100000"/>
+                    </a:srgbClr>
+                  </a:solidFill>
+                  <a:latin typeface="Arial"/>
+                  <a:cs typeface="Arial"/>
+                </a:rPr>
+                <a:t>contributions, assumed to be employer contributions less reportable employer super contributions; salary-sacrifice = reportable employer</a:t>
+              </a:r>
+            </a:p>
+          </p:txBody>
+        </p:sp>
+        <p:sp>
+          <p:nvSpPr>
+            <p:cNvPr id="66" name="tx64"/>
+            <p:cNvSpPr/>
+            <p:nvPr/>
+          </p:nvSpPr>
+          <p:spPr>
+            <a:xfrm>
+              <a:off x="640418" y="6389561"/>
+              <a:ext cx="8054577" cy="119067"/>
+            </a:xfrm>
+            <a:prstGeom prst="rect">
+              <a:avLst/>
+            </a:prstGeom>
+            <a:noFill/>
+          </p:spPr>
+          <p:txBody>
+            <a:bodyPr lIns="0" rIns="0" tIns="0" bIns="0" anchorCtr="1" anchor="ctr" wrap="none"/>
+            <a:lstStyle/>
+            <a:p>
+              <a:pPr algn="l" marL="0" marR="0" indent="0">
+                <a:lnSpc>
+                  <a:spcPts val="999"/>
+                </a:lnSpc>
+                <a:spcBef>
+                  <a:spcPts val="0"/>
+                </a:spcBef>
+                <a:spcAft>
+                  <a:spcPts val="0"/>
+                </a:spcAft>
+              </a:pPr>
+              <a:r>
+                <a:rPr sz="999" i="1">
+                  <a:solidFill>
+                    <a:srgbClr val="000000">
+                      <a:alpha val="100000"/>
+                    </a:srgbClr>
+                  </a:solidFill>
+                  <a:latin typeface="Arial"/>
+                  <a:cs typeface="Arial"/>
+                </a:rPr>
+                <a:t>super contributions; personal-deductible = non-employer superannuation contributions; non-concessional = nonnegative component of personal</a:t>
+              </a:r>
+            </a:p>
+          </p:txBody>
+        </p:sp>
+        <p:sp>
+          <p:nvSpPr>
+            <p:cNvPr id="67" name="tx65"/>
+            <p:cNvSpPr/>
+            <p:nvPr/>
+          </p:nvSpPr>
+          <p:spPr>
+            <a:xfrm>
+              <a:off x="640418" y="6528133"/>
+              <a:ext cx="2933690" cy="117518"/>
+            </a:xfrm>
+            <a:prstGeom prst="rect">
+              <a:avLst/>
+            </a:prstGeom>
+            <a:noFill/>
+          </p:spPr>
+          <p:txBody>
+            <a:bodyPr lIns="0" rIns="0" tIns="0" bIns="0" anchorCtr="1" anchor="ctr" wrap="none"/>
+            <a:lstStyle/>
+            <a:p>
+              <a:pPr algn="l" marL="0" marR="0" indent="0">
+                <a:lnSpc>
+                  <a:spcPts val="999"/>
+                </a:lnSpc>
+                <a:spcBef>
+                  <a:spcPts val="0"/>
+                </a:spcBef>
+                <a:spcAft>
+                  <a:spcPts val="0"/>
+                </a:spcAft>
+              </a:pPr>
+              <a:r>
+                <a:rPr sz="999" i="1">
+                  <a:solidFill>
+                    <a:srgbClr val="000000">
+                      <a:alpha val="100000"/>
+                    </a:srgbClr>
+                  </a:solidFill>
+                  <a:latin typeface="Arial"/>
+                  <a:cs typeface="Arial"/>
+                </a:rPr>
+                <a:t>contributions less non-employer super contributions.</a:t>
+              </a:r>
+            </a:p>
+          </p:txBody>
+        </p:sp>
+        <p:sp>
+          <p:nvSpPr>
+            <p:cNvPr id="68" name="tx66"/>
+            <p:cNvSpPr/>
+            <p:nvPr/>
+          </p:nvSpPr>
+          <p:spPr>
+            <a:xfrm>
+              <a:off x="640418" y="6665094"/>
+              <a:ext cx="2094457" cy="117580"/>
+            </a:xfrm>
+            <a:prstGeom prst="rect">
+              <a:avLst/>
+            </a:prstGeom>
+            <a:noFill/>
+          </p:spPr>
+          <p:txBody>
+            <a:bodyPr lIns="0" rIns="0" tIns="0" bIns="0" anchorCtr="1" anchor="ctr" wrap="none"/>
+            <a:lstStyle/>
+            <a:p>
+              <a:pPr algn="l" marL="0" marR="0" indent="0">
+                <a:lnSpc>
+                  <a:spcPts val="999"/>
+                </a:lnSpc>
+                <a:spcBef>
+                  <a:spcPts val="0"/>
+                </a:spcBef>
+                <a:spcAft>
+                  <a:spcPts val="0"/>
+                </a:spcAft>
+              </a:pPr>
+              <a:r>
+                <a:rPr sz="999" i="1">
+                  <a:solidFill>
+                    <a:srgbClr val="000000">
+                      <a:alpha val="100000"/>
+                    </a:srgbClr>
+                  </a:solidFill>
+                  <a:latin typeface="Arial"/>
+                  <a:cs typeface="Arial"/>
+                </a:rPr>
+                <a:t>Source: ATO 2017-18 2% sample file</a:t>
               </a:r>
             </a:p>
           </p:txBody>
